--- a/poster/showcase_poster.pptx
+++ b/poster/showcase_poster.pptx
@@ -212,7 +212,7 @@
           <a:p>
             <a:fld id="{FBD58797-ABB2-4BE3-9119-152BBF46F160}" type="datetimeFigureOut">
               <a:rPr lang="en-AU" smtClean="0"/>
-              <a:t>30/10/2017</a:t>
+              <a:t>1/11/2017</a:t>
             </a:fld>
             <a:endParaRPr lang="en-AU"/>
           </a:p>
@@ -3963,8 +3963,12 @@
           </a:p>
           <a:p>
             <a:r>
+              <a:rPr lang="en-AU" sz="2000" i="1" dirty="0"/>
+              <a:t>Security typed</a:t>
+            </a:r>
+            <a:r>
               <a:rPr lang="en-AU" sz="2000" dirty="0"/>
-              <a:t>Programming languages that enforce controls on information propagation through the type system.</a:t>
+              <a:t> languages enforce controls on information propagation through the type system.</a:t>
             </a:r>
             <a:br>
               <a:rPr lang="en-AU" sz="2000" dirty="0"/>
